--- a/analysis_presentation.pptx
+++ b/analysis_presentation.pptx
@@ -6,6 +6,8 @@
   </p:sldMasterIdLst>
   <p:sldIdLst>
     <p:sldId id="256" r:id="rId2"/>
+    <p:sldId id="257" r:id="rId3"/>
+    <p:sldId id="258" r:id="rId4"/>
   </p:sldIdLst>
   <p:sldSz cx="12192000" cy="6858000"/>
   <p:notesSz cx="6858000" cy="9144000"/>
@@ -3581,10 +3583,15 @@
         </p:nvSpPr>
         <p:spPr/>
         <p:txBody>
-          <a:bodyPr/>
-          <a:lstStyle/>
-          <a:p>
-            <a:endParaRPr lang="en-US" dirty="0"/>
+          <a:bodyPr>
+            <a:normAutofit fontScale="90000"/>
+          </a:bodyPr>
+          <a:lstStyle/>
+          <a:p>
+            <a:r>
+              <a:rPr lang="en-US" dirty="0"/>
+              <a:t>Pharmacy drug utilization analysis</a:t>
+            </a:r>
           </a:p>
         </p:txBody>
       </p:sp>
@@ -3611,15 +3618,7 @@
           <a:p>
             <a:r>
               <a:rPr lang="en-US" dirty="0"/>
-              <a:t>Thomas Simmons</a:t>
-            </a:r>
-            <a:r>
-              <a:rPr lang="en-US"/>
-              <a:t>, SEPTEMBER </a:t>
-            </a:r>
-            <a:r>
-              <a:rPr lang="en-US" dirty="0"/>
-              <a:t>2025</a:t>
+              <a:t>Thomas Simmons, SEPTEMBER 2025</a:t>
             </a:r>
           </a:p>
         </p:txBody>
@@ -3628,6 +3627,214 @@
     <p:extLst>
       <p:ext uri="{BB962C8B-B14F-4D97-AF65-F5344CB8AC3E}">
         <p14:creationId xmlns:p14="http://schemas.microsoft.com/office/powerpoint/2010/main" val="169772216"/>
+      </p:ext>
+    </p:extLst>
+  </p:cSld>
+  <p:clrMapOvr>
+    <a:masterClrMapping/>
+  </p:clrMapOvr>
+</p:sld>
+</file>
+
+<file path=ppt/slides/slide2.xml><?xml version="1.0" encoding="utf-8"?>
+<p:sld xmlns:a="http://schemas.openxmlformats.org/drawingml/2006/main" xmlns:r="http://schemas.openxmlformats.org/officeDocument/2006/relationships" xmlns:p="http://schemas.openxmlformats.org/presentationml/2006/main">
+  <p:cSld>
+    <p:spTree>
+      <p:nvGrpSpPr>
+        <p:cNvPr id="1" name=""/>
+        <p:cNvGrpSpPr/>
+        <p:nvPr/>
+      </p:nvGrpSpPr>
+      <p:grpSpPr>
+        <a:xfrm>
+          <a:off x="0" y="0"/>
+          <a:ext cx="0" cy="0"/>
+          <a:chOff x="0" y="0"/>
+          <a:chExt cx="0" cy="0"/>
+        </a:xfrm>
+      </p:grpSpPr>
+      <p:sp>
+        <p:nvSpPr>
+          <p:cNvPr id="2" name="Title 1">
+            <a:extLst>
+              <a:ext uri="{FF2B5EF4-FFF2-40B4-BE49-F238E27FC236}">
+                <a16:creationId xmlns:a16="http://schemas.microsoft.com/office/drawing/2014/main" id="{54F206DC-9E25-A090-FB8D-8E6374B7AA48}"/>
+              </a:ext>
+            </a:extLst>
+          </p:cNvPr>
+          <p:cNvSpPr>
+            <a:spLocks noGrp="1"/>
+          </p:cNvSpPr>
+          <p:nvPr>
+            <p:ph type="title"/>
+          </p:nvPr>
+        </p:nvSpPr>
+        <p:spPr/>
+        <p:txBody>
+          <a:bodyPr/>
+          <a:lstStyle/>
+          <a:p>
+            <a:r>
+              <a:rPr lang="en-US" dirty="0"/>
+              <a:t>Rundown</a:t>
+            </a:r>
+          </a:p>
+        </p:txBody>
+      </p:sp>
+      <p:sp>
+        <p:nvSpPr>
+          <p:cNvPr id="3" name="Content Placeholder 2">
+            <a:extLst>
+              <a:ext uri="{FF2B5EF4-FFF2-40B4-BE49-F238E27FC236}">
+                <a16:creationId xmlns:a16="http://schemas.microsoft.com/office/drawing/2014/main" id="{7DF7867E-E2AB-2D85-1D6C-3600BB202FDF}"/>
+              </a:ext>
+            </a:extLst>
+          </p:cNvPr>
+          <p:cNvSpPr>
+            <a:spLocks noGrp="1"/>
+          </p:cNvSpPr>
+          <p:nvPr>
+            <p:ph idx="1"/>
+          </p:nvPr>
+        </p:nvSpPr>
+        <p:spPr/>
+        <p:txBody>
+          <a:bodyPr/>
+          <a:lstStyle/>
+          <a:p>
+            <a:r>
+              <a:rPr lang="en-US" dirty="0"/>
+              <a:t>State Drug Utilization Data 2024, published by CMS and available on </a:t>
+            </a:r>
+            <a:r>
+              <a:rPr lang="en-US" dirty="0" err="1"/>
+              <a:t>Data.gov</a:t>
+            </a:r>
+            <a:endParaRPr lang="en-US" dirty="0"/>
+          </a:p>
+          <a:p>
+            <a:r>
+              <a:rPr lang="en-US" dirty="0"/>
+              <a:t>State-level Medicaid prescription data, entailing:</a:t>
+            </a:r>
+          </a:p>
+          <a:p>
+            <a:pPr lvl="1"/>
+            <a:r>
+              <a:rPr lang="en-US" dirty="0"/>
+              <a:t>Drug codes</a:t>
+            </a:r>
+          </a:p>
+          <a:p>
+            <a:pPr lvl="1"/>
+            <a:r>
+              <a:rPr lang="en-US" dirty="0"/>
+              <a:t>Prescription counts</a:t>
+            </a:r>
+          </a:p>
+          <a:p>
+            <a:pPr lvl="1"/>
+            <a:r>
+              <a:rPr lang="en-US" dirty="0"/>
+              <a:t>Reimbursement amounts</a:t>
+            </a:r>
+          </a:p>
+        </p:txBody>
+      </p:sp>
+    </p:spTree>
+    <p:extLst>
+      <p:ext uri="{BB962C8B-B14F-4D97-AF65-F5344CB8AC3E}">
+        <p14:creationId xmlns:p14="http://schemas.microsoft.com/office/powerpoint/2010/main" val="4255789445"/>
+      </p:ext>
+    </p:extLst>
+  </p:cSld>
+  <p:clrMapOvr>
+    <a:masterClrMapping/>
+  </p:clrMapOvr>
+</p:sld>
+</file>
+
+<file path=ppt/slides/slide3.xml><?xml version="1.0" encoding="utf-8"?>
+<p:sld xmlns:a="http://schemas.openxmlformats.org/drawingml/2006/main" xmlns:r="http://schemas.openxmlformats.org/officeDocument/2006/relationships" xmlns:p="http://schemas.openxmlformats.org/presentationml/2006/main">
+  <p:cSld>
+    <p:spTree>
+      <p:nvGrpSpPr>
+        <p:cNvPr id="1" name=""/>
+        <p:cNvGrpSpPr/>
+        <p:nvPr/>
+      </p:nvGrpSpPr>
+      <p:grpSpPr>
+        <a:xfrm>
+          <a:off x="0" y="0"/>
+          <a:ext cx="0" cy="0"/>
+          <a:chOff x="0" y="0"/>
+          <a:chExt cx="0" cy="0"/>
+        </a:xfrm>
+      </p:grpSpPr>
+      <p:sp>
+        <p:nvSpPr>
+          <p:cNvPr id="2" name="Title 1">
+            <a:extLst>
+              <a:ext uri="{FF2B5EF4-FFF2-40B4-BE49-F238E27FC236}">
+                <a16:creationId xmlns:a16="http://schemas.microsoft.com/office/drawing/2014/main" id="{501CF6A6-CF2F-5211-9180-42DA2E4C5947}"/>
+              </a:ext>
+            </a:extLst>
+          </p:cNvPr>
+          <p:cNvSpPr>
+            <a:spLocks noGrp="1"/>
+          </p:cNvSpPr>
+          <p:nvPr>
+            <p:ph type="title"/>
+          </p:nvPr>
+        </p:nvSpPr>
+        <p:spPr/>
+        <p:txBody>
+          <a:bodyPr/>
+          <a:lstStyle/>
+          <a:p>
+            <a:r>
+              <a:rPr lang="en-US" dirty="0"/>
+              <a:t>Project scope / tasks completed</a:t>
+            </a:r>
+          </a:p>
+        </p:txBody>
+      </p:sp>
+      <p:sp>
+        <p:nvSpPr>
+          <p:cNvPr id="3" name="Content Placeholder 2">
+            <a:extLst>
+              <a:ext uri="{FF2B5EF4-FFF2-40B4-BE49-F238E27FC236}">
+                <a16:creationId xmlns:a16="http://schemas.microsoft.com/office/drawing/2014/main" id="{64D95F76-31F8-D051-5B0A-93792EBC3F12}"/>
+              </a:ext>
+            </a:extLst>
+          </p:cNvPr>
+          <p:cNvSpPr>
+            <a:spLocks noGrp="1"/>
+          </p:cNvSpPr>
+          <p:nvPr>
+            <p:ph idx="1"/>
+          </p:nvPr>
+        </p:nvSpPr>
+        <p:spPr/>
+        <p:txBody>
+          <a:bodyPr/>
+          <a:lstStyle/>
+          <a:p>
+            <a:r>
+              <a:rPr lang="en-US" dirty="0"/>
+              <a:t>Data cleaning, filtering</a:t>
+            </a:r>
+            <a:r>
+              <a:rPr lang="en-US"/>
+              <a:t>, structuring</a:t>
+            </a:r>
+          </a:p>
+        </p:txBody>
+      </p:sp>
+    </p:spTree>
+    <p:extLst>
+      <p:ext uri="{BB962C8B-B14F-4D97-AF65-F5344CB8AC3E}">
+        <p14:creationId xmlns:p14="http://schemas.microsoft.com/office/powerpoint/2010/main" val="2855004154"/>
       </p:ext>
     </p:extLst>
   </p:cSld>

--- a/analysis_presentation.pptx
+++ b/analysis_presentation.pptx
@@ -3822,11 +3822,23 @@
           <a:p>
             <a:r>
               <a:rPr lang="en-US" dirty="0"/>
-              <a:t>Data cleaning, filtering</a:t>
-            </a:r>
-            <a:r>
-              <a:rPr lang="en-US"/>
-              <a:t>, structuring</a:t>
+              <a:t>Data cleaning, filtering, structuring</a:t>
+            </a:r>
+          </a:p>
+          <a:p>
+            <a:r>
+              <a:rPr lang="en-US" dirty="0"/>
+              <a:t>Data visualizations</a:t>
+            </a:r>
+          </a:p>
+          <a:p>
+            <a:r>
+              <a:rPr lang="en-US" dirty="0"/>
+              <a:t>Exploratory </a:t>
+            </a:r>
+            <a:r>
+              <a:rPr lang="en-US"/>
+              <a:t>data analysis</a:t>
             </a:r>
           </a:p>
         </p:txBody>

--- a/analysis_presentation.pptx
+++ b/analysis_presentation.pptx
@@ -3834,11 +3834,17 @@
           <a:p>
             <a:r>
               <a:rPr lang="en-US" dirty="0"/>
-              <a:t>Exploratory </a:t>
-            </a:r>
-            <a:r>
-              <a:rPr lang="en-US"/>
-              <a:t>data analysis</a:t>
+              <a:t>Exploratory data analysis</a:t>
+            </a:r>
+          </a:p>
+          <a:p>
+            <a:r>
+              <a:rPr lang="en-US" dirty="0"/>
+              <a:t>Working between R </a:t>
+            </a:r>
+            <a:r>
+              <a:rPr lang="en-US"/>
+              <a:t>and Python</a:t>
             </a:r>
           </a:p>
         </p:txBody>

--- a/analysis_presentation.pptx
+++ b/analysis_presentation.pptx
@@ -8,6 +8,11 @@
     <p:sldId id="256" r:id="rId2"/>
     <p:sldId id="257" r:id="rId3"/>
     <p:sldId id="258" r:id="rId4"/>
+    <p:sldId id="259" r:id="rId5"/>
+    <p:sldId id="260" r:id="rId6"/>
+    <p:sldId id="261" r:id="rId7"/>
+    <p:sldId id="262" r:id="rId8"/>
+    <p:sldId id="263" r:id="rId9"/>
   </p:sldIdLst>
   <p:sldSz cx="12192000" cy="6858000"/>
   <p:notesSz cx="6858000" cy="9144000"/>
@@ -3840,11 +3845,7 @@
           <a:p>
             <a:r>
               <a:rPr lang="en-US" dirty="0"/>
-              <a:t>Working between R </a:t>
-            </a:r>
-            <a:r>
-              <a:rPr lang="en-US"/>
-              <a:t>and Python</a:t>
+              <a:t>Working between R and Python</a:t>
             </a:r>
           </a:p>
         </p:txBody>
@@ -3853,6 +3854,432 @@
     <p:extLst>
       <p:ext uri="{BB962C8B-B14F-4D97-AF65-F5344CB8AC3E}">
         <p14:creationId xmlns:p14="http://schemas.microsoft.com/office/powerpoint/2010/main" val="2855004154"/>
+      </p:ext>
+    </p:extLst>
+  </p:cSld>
+  <p:clrMapOvr>
+    <a:masterClrMapping/>
+  </p:clrMapOvr>
+</p:sld>
+</file>
+
+<file path=ppt/slides/slide4.xml><?xml version="1.0" encoding="utf-8"?>
+<p:sld xmlns:a="http://schemas.openxmlformats.org/drawingml/2006/main" xmlns:r="http://schemas.openxmlformats.org/officeDocument/2006/relationships" xmlns:p="http://schemas.openxmlformats.org/presentationml/2006/main">
+  <p:cSld>
+    <p:spTree>
+      <p:nvGrpSpPr>
+        <p:cNvPr id="1" name=""/>
+        <p:cNvGrpSpPr/>
+        <p:nvPr/>
+      </p:nvGrpSpPr>
+      <p:grpSpPr>
+        <a:xfrm>
+          <a:off x="0" y="0"/>
+          <a:ext cx="0" cy="0"/>
+          <a:chOff x="0" y="0"/>
+          <a:chExt cx="0" cy="0"/>
+        </a:xfrm>
+      </p:grpSpPr>
+      <p:sp>
+        <p:nvSpPr>
+          <p:cNvPr id="2" name="Title 1">
+            <a:extLst>
+              <a:ext uri="{FF2B5EF4-FFF2-40B4-BE49-F238E27FC236}">
+                <a16:creationId xmlns:a16="http://schemas.microsoft.com/office/drawing/2014/main" id="{D9F0A421-4563-AB89-5BED-DCA22FC856AE}"/>
+              </a:ext>
+            </a:extLst>
+          </p:cNvPr>
+          <p:cNvSpPr>
+            <a:spLocks noGrp="1"/>
+          </p:cNvSpPr>
+          <p:nvPr>
+            <p:ph type="title"/>
+          </p:nvPr>
+        </p:nvSpPr>
+        <p:spPr/>
+        <p:txBody>
+          <a:bodyPr/>
+          <a:lstStyle/>
+          <a:p>
+            <a:r>
+              <a:rPr lang="en-US" dirty="0"/>
+              <a:t>Visualizations</a:t>
+            </a:r>
+          </a:p>
+        </p:txBody>
+      </p:sp>
+      <p:pic>
+        <p:nvPicPr>
+          <p:cNvPr id="5" name="Content Placeholder 4">
+            <a:extLst>
+              <a:ext uri="{FF2B5EF4-FFF2-40B4-BE49-F238E27FC236}">
+                <a16:creationId xmlns:a16="http://schemas.microsoft.com/office/drawing/2014/main" id="{D03C764B-0B45-FD81-2A88-EA7437C8F42F}"/>
+              </a:ext>
+              <a:ext uri="{C183D7F6-B498-43B3-948B-1728B52AA6E4}">
+                <adec:decorative xmlns:adec="http://schemas.microsoft.com/office/drawing/2017/decorative" val="1"/>
+              </a:ext>
+            </a:extLst>
+          </p:cNvPr>
+          <p:cNvPicPr>
+            <a:picLocks noGrp="1" noChangeAspect="1"/>
+          </p:cNvPicPr>
+          <p:nvPr>
+            <p:ph idx="1"/>
+          </p:nvPr>
+        </p:nvPicPr>
+        <p:blipFill>
+          <a:blip r:embed="rId2"/>
+          <a:stretch>
+            <a:fillRect/>
+          </a:stretch>
+        </p:blipFill>
+        <p:spPr>
+          <a:xfrm>
+            <a:off x="3373171" y="2016124"/>
+            <a:ext cx="5191657" cy="3873687"/>
+          </a:xfrm>
+        </p:spPr>
+      </p:pic>
+    </p:spTree>
+    <p:extLst>
+      <p:ext uri="{BB962C8B-B14F-4D97-AF65-F5344CB8AC3E}">
+        <p14:creationId xmlns:p14="http://schemas.microsoft.com/office/powerpoint/2010/main" val="1000049477"/>
+      </p:ext>
+    </p:extLst>
+  </p:cSld>
+  <p:clrMapOvr>
+    <a:masterClrMapping/>
+  </p:clrMapOvr>
+</p:sld>
+</file>
+
+<file path=ppt/slides/slide5.xml><?xml version="1.0" encoding="utf-8"?>
+<p:sld xmlns:a="http://schemas.openxmlformats.org/drawingml/2006/main" xmlns:r="http://schemas.openxmlformats.org/officeDocument/2006/relationships" xmlns:p="http://schemas.openxmlformats.org/presentationml/2006/main">
+  <p:cSld>
+    <p:spTree>
+      <p:nvGrpSpPr>
+        <p:cNvPr id="1" name=""/>
+        <p:cNvGrpSpPr/>
+        <p:nvPr/>
+      </p:nvGrpSpPr>
+      <p:grpSpPr>
+        <a:xfrm>
+          <a:off x="0" y="0"/>
+          <a:ext cx="0" cy="0"/>
+          <a:chOff x="0" y="0"/>
+          <a:chExt cx="0" cy="0"/>
+        </a:xfrm>
+      </p:grpSpPr>
+      <p:sp>
+        <p:nvSpPr>
+          <p:cNvPr id="2" name="Title 1">
+            <a:extLst>
+              <a:ext uri="{FF2B5EF4-FFF2-40B4-BE49-F238E27FC236}">
+                <a16:creationId xmlns:a16="http://schemas.microsoft.com/office/drawing/2014/main" id="{CDF99D56-B596-13DA-3136-29DF8F261693}"/>
+              </a:ext>
+            </a:extLst>
+          </p:cNvPr>
+          <p:cNvSpPr>
+            <a:spLocks noGrp="1"/>
+          </p:cNvSpPr>
+          <p:nvPr>
+            <p:ph type="title"/>
+          </p:nvPr>
+        </p:nvSpPr>
+        <p:spPr/>
+        <p:txBody>
+          <a:bodyPr/>
+          <a:lstStyle/>
+          <a:p>
+            <a:endParaRPr lang="en-US"/>
+          </a:p>
+        </p:txBody>
+      </p:sp>
+      <p:pic>
+        <p:nvPicPr>
+          <p:cNvPr id="5" name="Content Placeholder 4">
+            <a:extLst>
+              <a:ext uri="{FF2B5EF4-FFF2-40B4-BE49-F238E27FC236}">
+                <a16:creationId xmlns:a16="http://schemas.microsoft.com/office/drawing/2014/main" id="{0A7BF32C-1184-B819-104F-B5A17B765A64}"/>
+              </a:ext>
+            </a:extLst>
+          </p:cNvPr>
+          <p:cNvPicPr>
+            <a:picLocks noGrp="1" noChangeAspect="1"/>
+          </p:cNvPicPr>
+          <p:nvPr>
+            <p:ph idx="1"/>
+          </p:nvPr>
+        </p:nvPicPr>
+        <p:blipFill>
+          <a:blip r:embed="rId2"/>
+          <a:stretch>
+            <a:fillRect/>
+          </a:stretch>
+        </p:blipFill>
+        <p:spPr>
+          <a:xfrm>
+            <a:off x="2962077" y="981635"/>
+            <a:ext cx="6014508" cy="4497575"/>
+          </a:xfrm>
+        </p:spPr>
+      </p:pic>
+    </p:spTree>
+    <p:extLst>
+      <p:ext uri="{BB962C8B-B14F-4D97-AF65-F5344CB8AC3E}">
+        <p14:creationId xmlns:p14="http://schemas.microsoft.com/office/powerpoint/2010/main" val="3597887322"/>
+      </p:ext>
+    </p:extLst>
+  </p:cSld>
+  <p:clrMapOvr>
+    <a:masterClrMapping/>
+  </p:clrMapOvr>
+</p:sld>
+</file>
+
+<file path=ppt/slides/slide6.xml><?xml version="1.0" encoding="utf-8"?>
+<p:sld xmlns:a="http://schemas.openxmlformats.org/drawingml/2006/main" xmlns:r="http://schemas.openxmlformats.org/officeDocument/2006/relationships" xmlns:p="http://schemas.openxmlformats.org/presentationml/2006/main">
+  <p:cSld>
+    <p:spTree>
+      <p:nvGrpSpPr>
+        <p:cNvPr id="1" name=""/>
+        <p:cNvGrpSpPr/>
+        <p:nvPr/>
+      </p:nvGrpSpPr>
+      <p:grpSpPr>
+        <a:xfrm>
+          <a:off x="0" y="0"/>
+          <a:ext cx="0" cy="0"/>
+          <a:chOff x="0" y="0"/>
+          <a:chExt cx="0" cy="0"/>
+        </a:xfrm>
+      </p:grpSpPr>
+      <p:sp>
+        <p:nvSpPr>
+          <p:cNvPr id="2" name="Title 1">
+            <a:extLst>
+              <a:ext uri="{FF2B5EF4-FFF2-40B4-BE49-F238E27FC236}">
+                <a16:creationId xmlns:a16="http://schemas.microsoft.com/office/drawing/2014/main" id="{01A78CF3-32FE-A472-C5BD-E54771796903}"/>
+              </a:ext>
+            </a:extLst>
+          </p:cNvPr>
+          <p:cNvSpPr>
+            <a:spLocks noGrp="1"/>
+          </p:cNvSpPr>
+          <p:nvPr>
+            <p:ph type="title"/>
+          </p:nvPr>
+        </p:nvSpPr>
+        <p:spPr/>
+        <p:txBody>
+          <a:bodyPr/>
+          <a:lstStyle/>
+          <a:p>
+            <a:endParaRPr lang="en-US"/>
+          </a:p>
+        </p:txBody>
+      </p:sp>
+      <p:pic>
+        <p:nvPicPr>
+          <p:cNvPr id="5" name="Content Placeholder 4" descr="A graph of a product code&#10;&#10;AI-generated content may be incorrect.">
+            <a:extLst>
+              <a:ext uri="{FF2B5EF4-FFF2-40B4-BE49-F238E27FC236}">
+                <a16:creationId xmlns:a16="http://schemas.microsoft.com/office/drawing/2014/main" id="{103AA7E4-D0C9-D102-4D99-3352C5A6DE17}"/>
+              </a:ext>
+            </a:extLst>
+          </p:cNvPr>
+          <p:cNvPicPr>
+            <a:picLocks noGrp="1" noChangeAspect="1"/>
+          </p:cNvPicPr>
+          <p:nvPr>
+            <p:ph idx="1"/>
+          </p:nvPr>
+        </p:nvPicPr>
+        <p:blipFill>
+          <a:blip r:embed="rId2"/>
+          <a:stretch>
+            <a:fillRect/>
+          </a:stretch>
+        </p:blipFill>
+        <p:spPr>
+          <a:xfrm>
+            <a:off x="2983480" y="1106634"/>
+            <a:ext cx="6225040" cy="4644732"/>
+          </a:xfrm>
+        </p:spPr>
+      </p:pic>
+    </p:spTree>
+    <p:extLst>
+      <p:ext uri="{BB962C8B-B14F-4D97-AF65-F5344CB8AC3E}">
+        <p14:creationId xmlns:p14="http://schemas.microsoft.com/office/powerpoint/2010/main" val="357815726"/>
+      </p:ext>
+    </p:extLst>
+  </p:cSld>
+  <p:clrMapOvr>
+    <a:masterClrMapping/>
+  </p:clrMapOvr>
+</p:sld>
+</file>
+
+<file path=ppt/slides/slide7.xml><?xml version="1.0" encoding="utf-8"?>
+<p:sld xmlns:a="http://schemas.openxmlformats.org/drawingml/2006/main" xmlns:r="http://schemas.openxmlformats.org/officeDocument/2006/relationships" xmlns:p="http://schemas.openxmlformats.org/presentationml/2006/main">
+  <p:cSld>
+    <p:spTree>
+      <p:nvGrpSpPr>
+        <p:cNvPr id="1" name=""/>
+        <p:cNvGrpSpPr/>
+        <p:nvPr/>
+      </p:nvGrpSpPr>
+      <p:grpSpPr>
+        <a:xfrm>
+          <a:off x="0" y="0"/>
+          <a:ext cx="0" cy="0"/>
+          <a:chOff x="0" y="0"/>
+          <a:chExt cx="0" cy="0"/>
+        </a:xfrm>
+      </p:grpSpPr>
+      <p:sp>
+        <p:nvSpPr>
+          <p:cNvPr id="2" name="Title 1">
+            <a:extLst>
+              <a:ext uri="{FF2B5EF4-FFF2-40B4-BE49-F238E27FC236}">
+                <a16:creationId xmlns:a16="http://schemas.microsoft.com/office/drawing/2014/main" id="{E09FADF3-FD1E-89C2-498C-64262E1B79BE}"/>
+              </a:ext>
+            </a:extLst>
+          </p:cNvPr>
+          <p:cNvSpPr>
+            <a:spLocks noGrp="1"/>
+          </p:cNvSpPr>
+          <p:nvPr>
+            <p:ph type="title"/>
+          </p:nvPr>
+        </p:nvSpPr>
+        <p:spPr/>
+        <p:txBody>
+          <a:bodyPr/>
+          <a:lstStyle/>
+          <a:p>
+            <a:endParaRPr lang="en-US"/>
+          </a:p>
+        </p:txBody>
+      </p:sp>
+      <p:pic>
+        <p:nvPicPr>
+          <p:cNvPr id="5" name="Content Placeholder 4" descr="A graph with a number of numbers&#10;&#10;AI-generated content may be incorrect.">
+            <a:extLst>
+              <a:ext uri="{FF2B5EF4-FFF2-40B4-BE49-F238E27FC236}">
+                <a16:creationId xmlns:a16="http://schemas.microsoft.com/office/drawing/2014/main" id="{041B5DEA-4D3A-D500-B443-194416ADD8B9}"/>
+              </a:ext>
+            </a:extLst>
+          </p:cNvPr>
+          <p:cNvPicPr>
+            <a:picLocks noGrp="1" noChangeAspect="1"/>
+          </p:cNvPicPr>
+          <p:nvPr>
+            <p:ph idx="1"/>
+          </p:nvPr>
+        </p:nvPicPr>
+        <p:blipFill>
+          <a:blip r:embed="rId2"/>
+          <a:stretch>
+            <a:fillRect/>
+          </a:stretch>
+        </p:blipFill>
+        <p:spPr>
+          <a:xfrm>
+            <a:off x="2723900" y="161364"/>
+            <a:ext cx="6296148" cy="5615035"/>
+          </a:xfrm>
+        </p:spPr>
+      </p:pic>
+    </p:spTree>
+    <p:extLst>
+      <p:ext uri="{BB962C8B-B14F-4D97-AF65-F5344CB8AC3E}">
+        <p14:creationId xmlns:p14="http://schemas.microsoft.com/office/powerpoint/2010/main" val="3921855990"/>
+      </p:ext>
+    </p:extLst>
+  </p:cSld>
+  <p:clrMapOvr>
+    <a:masterClrMapping/>
+  </p:clrMapOvr>
+</p:sld>
+</file>
+
+<file path=ppt/slides/slide8.xml><?xml version="1.0" encoding="utf-8"?>
+<p:sld xmlns:a="http://schemas.openxmlformats.org/drawingml/2006/main" xmlns:r="http://schemas.openxmlformats.org/officeDocument/2006/relationships" xmlns:p="http://schemas.openxmlformats.org/presentationml/2006/main">
+  <p:cSld>
+    <p:spTree>
+      <p:nvGrpSpPr>
+        <p:cNvPr id="1" name=""/>
+        <p:cNvGrpSpPr/>
+        <p:nvPr/>
+      </p:nvGrpSpPr>
+      <p:grpSpPr>
+        <a:xfrm>
+          <a:off x="0" y="0"/>
+          <a:ext cx="0" cy="0"/>
+          <a:chOff x="0" y="0"/>
+          <a:chExt cx="0" cy="0"/>
+        </a:xfrm>
+      </p:grpSpPr>
+      <p:sp>
+        <p:nvSpPr>
+          <p:cNvPr id="2" name="Title 1">
+            <a:extLst>
+              <a:ext uri="{FF2B5EF4-FFF2-40B4-BE49-F238E27FC236}">
+                <a16:creationId xmlns:a16="http://schemas.microsoft.com/office/drawing/2014/main" id="{0F57FEF9-E3DB-CE6B-1C42-557CD12AB2EE}"/>
+              </a:ext>
+            </a:extLst>
+          </p:cNvPr>
+          <p:cNvSpPr>
+            <a:spLocks noGrp="1"/>
+          </p:cNvSpPr>
+          <p:nvPr>
+            <p:ph type="title"/>
+          </p:nvPr>
+        </p:nvSpPr>
+        <p:spPr/>
+        <p:txBody>
+          <a:bodyPr/>
+          <a:lstStyle/>
+          <a:p>
+            <a:endParaRPr lang="en-US"/>
+          </a:p>
+        </p:txBody>
+      </p:sp>
+      <p:pic>
+        <p:nvPicPr>
+          <p:cNvPr id="9" name="Content Placeholder 8" descr="A graph of a number of different types of numbers&#10;&#10;AI-generated content may be incorrect.">
+            <a:extLst>
+              <a:ext uri="{FF2B5EF4-FFF2-40B4-BE49-F238E27FC236}">
+                <a16:creationId xmlns:a16="http://schemas.microsoft.com/office/drawing/2014/main" id="{7BAD3A2B-FBD9-9BE4-FDD7-A7AC36ACDE1C}"/>
+              </a:ext>
+            </a:extLst>
+          </p:cNvPr>
+          <p:cNvPicPr>
+            <a:picLocks noGrp="1" noChangeAspect="1"/>
+          </p:cNvPicPr>
+          <p:nvPr>
+            <p:ph idx="1"/>
+          </p:nvPr>
+        </p:nvPicPr>
+        <p:blipFill>
+          <a:blip r:embed="rId2"/>
+          <a:stretch>
+            <a:fillRect/>
+          </a:stretch>
+        </p:blipFill>
+        <p:spPr>
+          <a:xfrm>
+            <a:off x="2380131" y="520238"/>
+            <a:ext cx="6682240" cy="4985866"/>
+          </a:xfrm>
+        </p:spPr>
+      </p:pic>
+    </p:spTree>
+    <p:extLst>
+      <p:ext uri="{BB962C8B-B14F-4D97-AF65-F5344CB8AC3E}">
+        <p14:creationId xmlns:p14="http://schemas.microsoft.com/office/powerpoint/2010/main" val="2296121107"/>
       </p:ext>
     </p:extLst>
   </p:cSld>

--- a/analysis_presentation.pptx
+++ b/analysis_presentation.pptx
@@ -13,6 +13,7 @@
     <p:sldId id="261" r:id="rId7"/>
     <p:sldId id="262" r:id="rId8"/>
     <p:sldId id="263" r:id="rId9"/>
+    <p:sldId id="264" r:id="rId10"/>
   </p:sldIdLst>
   <p:sldSz cx="12192000" cy="6858000"/>
   <p:notesSz cx="6858000" cy="9144000"/>
@@ -4289,6 +4290,129 @@
 </p:sld>
 </file>
 
+<file path=ppt/slides/slide9.xml><?xml version="1.0" encoding="utf-8"?>
+<p:sld xmlns:a="http://schemas.openxmlformats.org/drawingml/2006/main" xmlns:r="http://schemas.openxmlformats.org/officeDocument/2006/relationships" xmlns:p="http://schemas.openxmlformats.org/presentationml/2006/main">
+  <p:cSld>
+    <p:spTree>
+      <p:nvGrpSpPr>
+        <p:cNvPr id="1" name=""/>
+        <p:cNvGrpSpPr/>
+        <p:nvPr/>
+      </p:nvGrpSpPr>
+      <p:grpSpPr>
+        <a:xfrm>
+          <a:off x="0" y="0"/>
+          <a:ext cx="0" cy="0"/>
+          <a:chOff x="0" y="0"/>
+          <a:chExt cx="0" cy="0"/>
+        </a:xfrm>
+      </p:grpSpPr>
+      <p:sp>
+        <p:nvSpPr>
+          <p:cNvPr id="2" name="Title 1">
+            <a:extLst>
+              <a:ext uri="{FF2B5EF4-FFF2-40B4-BE49-F238E27FC236}">
+                <a16:creationId xmlns:a16="http://schemas.microsoft.com/office/drawing/2014/main" id="{B8F823CF-2C13-039B-E95D-EC47E2ABC785}"/>
+              </a:ext>
+            </a:extLst>
+          </p:cNvPr>
+          <p:cNvSpPr>
+            <a:spLocks noGrp="1"/>
+          </p:cNvSpPr>
+          <p:nvPr>
+            <p:ph type="title"/>
+          </p:nvPr>
+        </p:nvSpPr>
+        <p:spPr/>
+        <p:txBody>
+          <a:bodyPr/>
+          <a:lstStyle/>
+          <a:p>
+            <a:r>
+              <a:rPr lang="en-US" dirty="0"/>
+              <a:t>Takeaways</a:t>
+            </a:r>
+          </a:p>
+        </p:txBody>
+      </p:sp>
+      <p:sp>
+        <p:nvSpPr>
+          <p:cNvPr id="3" name="Content Placeholder 2">
+            <a:extLst>
+              <a:ext uri="{FF2B5EF4-FFF2-40B4-BE49-F238E27FC236}">
+                <a16:creationId xmlns:a16="http://schemas.microsoft.com/office/drawing/2014/main" id="{B7AE0632-3669-16BB-72BF-8C771DE19B6C}"/>
+              </a:ext>
+            </a:extLst>
+          </p:cNvPr>
+          <p:cNvSpPr>
+            <a:spLocks noGrp="1"/>
+          </p:cNvSpPr>
+          <p:nvPr>
+            <p:ph idx="1"/>
+          </p:nvPr>
+        </p:nvSpPr>
+        <p:spPr/>
+        <p:txBody>
+          <a:bodyPr>
+            <a:normAutofit lnSpcReduction="10000"/>
+          </a:bodyPr>
+          <a:lstStyle/>
+          <a:p>
+            <a:r>
+              <a:rPr lang="en-US" b="1" dirty="0"/>
+              <a:t>Concentration of drugs and manufacturers</a:t>
+            </a:r>
+            <a:r>
+              <a:rPr lang="en-US" dirty="0"/>
+              <a:t>:  A small set of medications (</a:t>
+            </a:r>
+            <a:r>
+              <a:rPr lang="en-US" dirty="0" err="1"/>
+              <a:t>Levothyrox</a:t>
+            </a:r>
+            <a:r>
+              <a:rPr lang="en-US" dirty="0"/>
+              <a:t>, Gabapentin, Metoprolol) and certain labelers dominate prescriptions and reimbursements, showing a strong long-tail pattern.</a:t>
+            </a:r>
+          </a:p>
+          <a:p>
+            <a:r>
+              <a:rPr lang="en-US" b="1" dirty="0"/>
+              <a:t>Strong metric correlations</a:t>
+            </a:r>
+            <a:r>
+              <a:rPr lang="en-US" dirty="0"/>
+              <a:t>:  Units reimbursed, number of prescriptions, and total/Medicaid reimbursements are highly correlated, meaning prescription volume directly drives costs.</a:t>
+            </a:r>
+          </a:p>
+          <a:p>
+            <a:r>
+              <a:rPr lang="en-US" b="1" dirty="0"/>
+              <a:t>Skewed distributions with anomalies</a:t>
+            </a:r>
+            <a:r>
+              <a:rPr lang="en-US" dirty="0"/>
+              <a:t>: Product codes are heavily skewed to low values, while Labeler and NDC codes show large spikes near zero, hinting at possible missing or placeholder entries.</a:t>
+            </a:r>
+          </a:p>
+          <a:p>
+            <a:endParaRPr lang="en-US" dirty="0"/>
+          </a:p>
+        </p:txBody>
+      </p:sp>
+    </p:spTree>
+    <p:extLst>
+      <p:ext uri="{BB962C8B-B14F-4D97-AF65-F5344CB8AC3E}">
+        <p14:creationId xmlns:p14="http://schemas.microsoft.com/office/powerpoint/2010/main" val="2276771541"/>
+      </p:ext>
+    </p:extLst>
+  </p:cSld>
+  <p:clrMapOvr>
+    <a:masterClrMapping/>
+  </p:clrMapOvr>
+</p:sld>
+</file>
+
 <file path=ppt/theme/theme1.xml><?xml version="1.0" encoding="utf-8"?>
 <a:theme xmlns:a="http://schemas.openxmlformats.org/drawingml/2006/main" name="Gallery">
   <a:themeElements>

--- a/analysis_presentation.pptx
+++ b/analysis_presentation.pptx
@@ -4354,7 +4354,7 @@
         <p:spPr/>
         <p:txBody>
           <a:bodyPr>
-            <a:normAutofit lnSpcReduction="10000"/>
+            <a:normAutofit/>
           </a:bodyPr>
           <a:lstStyle/>
           <a:p>
@@ -4382,20 +4382,12 @@
             </a:r>
             <a:r>
               <a:rPr lang="en-US" dirty="0"/>
-              <a:t>:  Units reimbursed, number of prescriptions, and total/Medicaid reimbursements are highly correlated, meaning prescription volume directly drives costs.</a:t>
-            </a:r>
-          </a:p>
-          <a:p>
-            <a:r>
-              <a:rPr lang="en-US" b="1" dirty="0"/>
-              <a:t>Skewed distributions with anomalies</a:t>
-            </a:r>
-            <a:r>
-              <a:rPr lang="en-US" dirty="0"/>
-              <a:t>: Product codes are heavily skewed to low values, while Labeler and NDC codes show large spikes near zero, hinting at possible missing or placeholder entries.</a:t>
-            </a:r>
-          </a:p>
-          <a:p>
+              <a:t>:  Units reimbursed, number of prescriptions, and total/Medicaid reimbursements are highly correlated, meaning prescription volume directly drives </a:t>
+            </a:r>
+            <a:r>
+              <a:rPr lang="en-US"/>
+              <a:t>costs.</a:t>
+            </a:r>
             <a:endParaRPr lang="en-US" dirty="0"/>
           </a:p>
         </p:txBody>
